--- a/presentetion.pptx
+++ b/presentetion.pptx
@@ -21346,7 +21346,7 @@
         </p:nvSpPr>
         <p:spPr>
           <a:xfrm>
-            <a:off x="323528" y="3200400"/>
+            <a:off x="395536" y="2060848"/>
             <a:ext cx="8352928" cy="3396952"/>
           </a:xfrm>
         </p:spPr>
@@ -21370,13 +21370,54 @@
           </a:bodyPr>
           <a:lstStyle/>
           <a:p>
-            <a:r>
-              <a:rPr lang="ru-RU" dirty="0" err="1"/>
-              <a:t>акое</a:t>
-            </a:r>
-            <a:r>
-              <a:rPr lang="ru-RU" dirty="0"/>
-              <a:t> представление чисел обозначает вот такое число: , где  — цифры, а  — основание системы счисления</a:t>
+            <a:pPr algn="just"/>
+            <a:r>
+              <a:rPr lang="en-US" dirty="0" smtClean="0"/>
+              <a:t>	</a:t>
+            </a:r>
+            <a:r>
+              <a:rPr lang="ru-RU" b="1" dirty="0" smtClean="0">
+                <a:ln w="18000">
+                  <a:solidFill>
+                    <a:schemeClr val="accent2">
+                      <a:satMod val="140000"/>
+                    </a:schemeClr>
+                  </a:solidFill>
+                  <a:prstDash val="solid"/>
+                  <a:miter lim="800000"/>
+                </a:ln>
+                <a:noFill/>
+                <a:effectLst>
+                  <a:outerShdw blurRad="25500" dist="23000" dir="7020000" algn="tl">
+                    <a:srgbClr val="000000">
+                      <a:alpha val="50000"/>
+                    </a:srgbClr>
+                  </a:outerShdw>
+                </a:effectLst>
+              </a:rPr>
+              <a:t>Для </a:t>
+            </a:r>
+            <a:r>
+              <a:rPr lang="ru-RU" b="1" dirty="0">
+                <a:ln w="18000">
+                  <a:solidFill>
+                    <a:schemeClr val="accent2">
+                      <a:satMod val="140000"/>
+                    </a:schemeClr>
+                  </a:solidFill>
+                  <a:prstDash val="solid"/>
+                  <a:miter lim="800000"/>
+                </a:ln>
+                <a:noFill/>
+                <a:effectLst>
+                  <a:outerShdw blurRad="25500" dist="23000" dir="7020000" algn="tl">
+                    <a:srgbClr val="000000">
+                      <a:alpha val="50000"/>
+                    </a:srgbClr>
+                  </a:outerShdw>
+                </a:effectLst>
+              </a:rPr>
+              <a:t>перевода необходимо исходное число разделить на основание новой системы счисления до получения целого остатка, который является младшим разрядом числа в новой системе счисления (единицы). Полученное частное снова делим на основание системы и так до тех пор, пока частное не станет меньше основания новой системы счисления.</a:t>
             </a:r>
             <a:endParaRPr lang="uk-UA" b="1" spc="50" dirty="0">
               <a:ln w="11430"/>
@@ -21641,11 +21682,7 @@
           <a:p>
             <a:r>
               <a:rPr lang="ru-RU" dirty="0" smtClean="0"/>
-              <a:t>Диаграмма </a:t>
-            </a:r>
-            <a:r>
-              <a:rPr lang="ru-RU" dirty="0" smtClean="0"/>
-              <a:t>классов </a:t>
+              <a:t>Диаграмма классов </a:t>
             </a:r>
             <a:r>
               <a:rPr lang="en-US" dirty="0" smtClean="0"/>
@@ -22073,29 +22110,7 @@
                   </a:outerShdw>
                 </a:effectLst>
               </a:rPr>
-              <a:t>  </a:t>
-            </a:r>
-            <a:r>
-              <a:rPr lang="en-US" sz="1400" b="1" dirty="0">
-                <a:ln w="18000">
-                  <a:solidFill>
-                    <a:schemeClr val="accent2">
-                      <a:satMod val="140000"/>
-                    </a:schemeClr>
-                  </a:solidFill>
-                  <a:prstDash val="solid"/>
-                  <a:miter lim="800000"/>
-                </a:ln>
-                <a:noFill/>
-                <a:effectLst>
-                  <a:outerShdw blurRad="25500" dist="23000" dir="7020000" algn="tl">
-                    <a:srgbClr val="000000">
-                      <a:alpha val="50000"/>
-                    </a:srgbClr>
-                  </a:outerShdw>
-                </a:effectLst>
-              </a:rPr>
-              <a:t>  public static </a:t>
+              <a:t>    public static </a:t>
             </a:r>
             <a:r>
               <a:rPr lang="en-US" sz="1400" b="1" dirty="0" err="1">
@@ -26333,25 +26348,6 @@
               </a:rPr>
               <a:t>    }</a:t>
             </a:r>
-            <a:endParaRPr lang="uk-UA" dirty="0" smtClean="0">
-              <a:ln w="18000">
-                <a:solidFill>
-                  <a:schemeClr val="accent2">
-                    <a:satMod val="140000"/>
-                  </a:schemeClr>
-                </a:solidFill>
-                <a:prstDash val="solid"/>
-                <a:miter lim="800000"/>
-              </a:ln>
-              <a:noFill/>
-              <a:effectLst>
-                <a:outerShdw blurRad="25500" dist="23000" dir="7020000" algn="tl">
-                  <a:srgbClr val="000000">
-                    <a:alpha val="50000"/>
-                  </a:srgbClr>
-                </a:outerShdw>
-              </a:effectLst>
-            </a:endParaRPr>
           </a:p>
         </p:txBody>
       </p:sp>

--- a/presentetion.pptx
+++ b/presentetion.pptx
@@ -27,7 +27,8 @@
     <p:sldId id="278" r:id="rId21"/>
     <p:sldId id="279" r:id="rId22"/>
     <p:sldId id="280" r:id="rId23"/>
-    <p:sldId id="260" r:id="rId24"/>
+    <p:sldId id="284" r:id="rId24"/>
+    <p:sldId id="260" r:id="rId25"/>
   </p:sldIdLst>
   <p:sldSz cx="9144000" cy="6858000" type="screen4x3"/>
   <p:notesSz cx="6858000" cy="9144000"/>
@@ -13889,7 +13890,62 @@
             </a:r>
             <a:r>
               <a:rPr lang="en-US" sz="1400" dirty="0"/>
-              <a:t> public </a:t>
+              <a:t> </a:t>
+            </a:r>
+            <a:endParaRPr lang="en-US" sz="1400" dirty="0" smtClean="0"/>
+          </a:p>
+          <a:p>
+            <a:r>
+              <a:rPr lang="en-US" sz="1400" b="1" dirty="0" smtClean="0">
+                <a:ln w="12700">
+                  <a:solidFill>
+                    <a:schemeClr val="tx2">
+                      <a:satMod val="155000"/>
+                    </a:schemeClr>
+                  </a:solidFill>
+                  <a:prstDash val="solid"/>
+                </a:ln>
+                <a:solidFill>
+                  <a:schemeClr val="bg2">
+                    <a:tint val="85000"/>
+                    <a:satMod val="155000"/>
+                  </a:schemeClr>
+                </a:solidFill>
+                <a:effectLst>
+                  <a:outerShdw blurRad="41275" dist="20320" dir="1800000" algn="tl" rotWithShape="0">
+                    <a:srgbClr val="000000">
+                      <a:alpha val="40000"/>
+                    </a:srgbClr>
+                  </a:outerShdw>
+                </a:effectLst>
+              </a:rPr>
+              <a:t>public </a:t>
+            </a:r>
+            <a:r>
+              <a:rPr lang="en-US" sz="1400" b="1" dirty="0">
+                <a:ln w="12700">
+                  <a:solidFill>
+                    <a:schemeClr val="tx2">
+                      <a:satMod val="155000"/>
+                    </a:schemeClr>
+                  </a:solidFill>
+                  <a:prstDash val="solid"/>
+                </a:ln>
+                <a:solidFill>
+                  <a:schemeClr val="bg2">
+                    <a:tint val="85000"/>
+                    <a:satMod val="155000"/>
+                  </a:schemeClr>
+                </a:solidFill>
+                <a:effectLst>
+                  <a:outerShdw blurRad="41275" dist="20320" dir="1800000" algn="tl" rotWithShape="0">
+                    <a:srgbClr val="000000">
+                      <a:alpha val="40000"/>
+                    </a:srgbClr>
+                  </a:outerShdw>
+                </a:effectLst>
+              </a:rPr>
+              <a:t>static </a:t>
             </a:r>
             <a:r>
               <a:rPr lang="en-US" sz="1400" dirty="0">
@@ -13911,7 +13967,7 @@
                   </a:outerShdw>
                 </a:effectLst>
               </a:rPr>
-              <a:t>static Integer </a:t>
+              <a:t>Integer </a:t>
             </a:r>
             <a:r>
               <a:rPr lang="en-US" sz="1400" dirty="0" err="1">
@@ -15817,7 +15873,190 @@
             </a:r>
             <a:r>
               <a:rPr lang="en-US" sz="1400" dirty="0"/>
-              <a:t> public </a:t>
+              <a:t> </a:t>
+            </a:r>
+            <a:endParaRPr lang="en-US" sz="1400" dirty="0" smtClean="0"/>
+          </a:p>
+          <a:p>
+            <a:r>
+              <a:rPr lang="en-US" sz="1400" b="1" dirty="0" smtClean="0">
+                <a:ln w="24500" cmpd="dbl">
+                  <a:solidFill>
+                    <a:schemeClr val="accent2">
+                      <a:shade val="85000"/>
+                      <a:satMod val="155000"/>
+                    </a:schemeClr>
+                  </a:solidFill>
+                  <a:prstDash val="solid"/>
+                  <a:miter lim="800000"/>
+                </a:ln>
+                <a:gradFill>
+                  <a:gsLst>
+                    <a:gs pos="10000">
+                      <a:schemeClr val="accent2">
+                        <a:tint val="10000"/>
+                        <a:satMod val="155000"/>
+                      </a:schemeClr>
+                    </a:gs>
+                    <a:gs pos="60000">
+                      <a:schemeClr val="accent2">
+                        <a:tint val="30000"/>
+                        <a:satMod val="155000"/>
+                      </a:schemeClr>
+                    </a:gs>
+                    <a:gs pos="100000">
+                      <a:schemeClr val="accent2">
+                        <a:tint val="73000"/>
+                        <a:satMod val="155000"/>
+                      </a:schemeClr>
+                    </a:gs>
+                  </a:gsLst>
+                  <a:lin ang="5400000"/>
+                </a:gradFill>
+                <a:effectLst>
+                  <a:outerShdw blurRad="38100" dist="38100" dir="7020000" algn="tl">
+                    <a:srgbClr val="000000">
+                      <a:alpha val="35000"/>
+                    </a:srgbClr>
+                  </a:outerShdw>
+                </a:effectLst>
+              </a:rPr>
+              <a:t>public </a:t>
+            </a:r>
+            <a:r>
+              <a:rPr lang="en-US" sz="1400" b="1" dirty="0">
+                <a:ln w="24500" cmpd="dbl">
+                  <a:solidFill>
+                    <a:schemeClr val="accent2">
+                      <a:shade val="85000"/>
+                      <a:satMod val="155000"/>
+                    </a:schemeClr>
+                  </a:solidFill>
+                  <a:prstDash val="solid"/>
+                  <a:miter lim="800000"/>
+                </a:ln>
+                <a:gradFill>
+                  <a:gsLst>
+                    <a:gs pos="10000">
+                      <a:schemeClr val="accent2">
+                        <a:tint val="10000"/>
+                        <a:satMod val="155000"/>
+                      </a:schemeClr>
+                    </a:gs>
+                    <a:gs pos="60000">
+                      <a:schemeClr val="accent2">
+                        <a:tint val="30000"/>
+                        <a:satMod val="155000"/>
+                      </a:schemeClr>
+                    </a:gs>
+                    <a:gs pos="100000">
+                      <a:schemeClr val="accent2">
+                        <a:tint val="73000"/>
+                        <a:satMod val="155000"/>
+                      </a:schemeClr>
+                    </a:gs>
+                  </a:gsLst>
+                  <a:lin ang="5400000"/>
+                </a:gradFill>
+                <a:effectLst>
+                  <a:outerShdw blurRad="38100" dist="38100" dir="7020000" algn="tl">
+                    <a:srgbClr val="000000">
+                      <a:alpha val="35000"/>
+                    </a:srgbClr>
+                  </a:outerShdw>
+                </a:effectLst>
+              </a:rPr>
+              <a:t>static Integer </a:t>
+            </a:r>
+            <a:r>
+              <a:rPr lang="en-US" sz="1400" b="1" dirty="0" err="1">
+                <a:ln w="24500" cmpd="dbl">
+                  <a:solidFill>
+                    <a:schemeClr val="accent2">
+                      <a:shade val="85000"/>
+                      <a:satMod val="155000"/>
+                    </a:schemeClr>
+                  </a:solidFill>
+                  <a:prstDash val="solid"/>
+                  <a:miter lim="800000"/>
+                </a:ln>
+                <a:gradFill>
+                  <a:gsLst>
+                    <a:gs pos="10000">
+                      <a:schemeClr val="accent2">
+                        <a:tint val="10000"/>
+                        <a:satMod val="155000"/>
+                      </a:schemeClr>
+                    </a:gs>
+                    <a:gs pos="60000">
+                      <a:schemeClr val="accent2">
+                        <a:tint val="30000"/>
+                        <a:satMod val="155000"/>
+                      </a:schemeClr>
+                    </a:gs>
+                    <a:gs pos="100000">
+                      <a:schemeClr val="accent2">
+                        <a:tint val="73000"/>
+                        <a:satMod val="155000"/>
+                      </a:schemeClr>
+                    </a:gs>
+                  </a:gsLst>
+                  <a:lin ang="5400000"/>
+                </a:gradFill>
+                <a:effectLst>
+                  <a:outerShdw blurRad="38100" dist="38100" dir="7020000" algn="tl">
+                    <a:srgbClr val="000000">
+                      <a:alpha val="35000"/>
+                    </a:srgbClr>
+                  </a:outerShdw>
+                </a:effectLst>
+              </a:rPr>
+              <a:t>toDecimal</a:t>
+            </a:r>
+            <a:r>
+              <a:rPr lang="en-US" sz="1400" b="1" dirty="0">
+                <a:ln w="24500" cmpd="dbl">
+                  <a:solidFill>
+                    <a:schemeClr val="accent2">
+                      <a:shade val="85000"/>
+                      <a:satMod val="155000"/>
+                    </a:schemeClr>
+                  </a:solidFill>
+                  <a:prstDash val="solid"/>
+                  <a:miter lim="800000"/>
+                </a:ln>
+                <a:gradFill>
+                  <a:gsLst>
+                    <a:gs pos="10000">
+                      <a:schemeClr val="accent2">
+                        <a:tint val="10000"/>
+                        <a:satMod val="155000"/>
+                      </a:schemeClr>
+                    </a:gs>
+                    <a:gs pos="60000">
+                      <a:schemeClr val="accent2">
+                        <a:tint val="30000"/>
+                        <a:satMod val="155000"/>
+                      </a:schemeClr>
+                    </a:gs>
+                    <a:gs pos="100000">
+                      <a:schemeClr val="accent2">
+                        <a:tint val="73000"/>
+                        <a:satMod val="155000"/>
+                      </a:schemeClr>
+                    </a:gs>
+                  </a:gsLst>
+                  <a:lin ang="5400000"/>
+                </a:gradFill>
+                <a:effectLst>
+                  <a:outerShdw blurRad="38100" dist="38100" dir="7020000" algn="tl">
+                    <a:srgbClr val="000000">
+                      <a:alpha val="35000"/>
+                    </a:srgbClr>
+                  </a:outerShdw>
+                </a:effectLst>
+              </a:rPr>
+              <a:t>(String </a:t>
             </a:r>
             <a:r>
               <a:rPr lang="en-US" sz="1400" dirty="0">
@@ -15839,51 +16078,7 @@
                   </a:outerShdw>
                 </a:effectLst>
               </a:rPr>
-              <a:t>static Integer </a:t>
-            </a:r>
-            <a:r>
-              <a:rPr lang="en-US" sz="1400" dirty="0" err="1">
-                <a:ln w="18000">
-                  <a:solidFill>
-                    <a:schemeClr val="accent2">
-                      <a:satMod val="140000"/>
-                    </a:schemeClr>
-                  </a:solidFill>
-                  <a:prstDash val="solid"/>
-                  <a:miter lim="800000"/>
-                </a:ln>
-                <a:noFill/>
-                <a:effectLst>
-                  <a:outerShdw blurRad="25500" dist="23000" dir="7020000" algn="tl">
-                    <a:srgbClr val="000000">
-                      <a:alpha val="50000"/>
-                    </a:srgbClr>
-                  </a:outerShdw>
-                </a:effectLst>
-              </a:rPr>
-              <a:t>toDecimal</a:t>
-            </a:r>
-            <a:r>
-              <a:rPr lang="en-US" sz="1400" dirty="0">
-                <a:ln w="18000">
-                  <a:solidFill>
-                    <a:schemeClr val="accent2">
-                      <a:satMod val="140000"/>
-                    </a:schemeClr>
-                  </a:solidFill>
-                  <a:prstDash val="solid"/>
-                  <a:miter lim="800000"/>
-                </a:ln>
-                <a:noFill/>
-                <a:effectLst>
-                  <a:outerShdw blurRad="25500" dist="23000" dir="7020000" algn="tl">
-                    <a:srgbClr val="000000">
-                      <a:alpha val="50000"/>
-                    </a:srgbClr>
-                  </a:outerShdw>
-                </a:effectLst>
-              </a:rPr>
-              <a:t>(String number, Integer system) {</a:t>
+              <a:t>number, Integer system) {</a:t>
             </a:r>
           </a:p>
           <a:p>
@@ -23952,6 +24147,134 @@
 </file>
 
 <file path=ppt/slides/slide23.xml><?xml version="1.0" encoding="utf-8"?>
+<p:sld xmlns:a="http://schemas.openxmlformats.org/drawingml/2006/main" xmlns:r="http://schemas.openxmlformats.org/officeDocument/2006/relationships" xmlns:p="http://schemas.openxmlformats.org/presentationml/2006/main">
+  <p:cSld>
+    <p:spTree>
+      <p:nvGrpSpPr>
+        <p:cNvPr id="1" name=""/>
+        <p:cNvGrpSpPr/>
+        <p:nvPr/>
+      </p:nvGrpSpPr>
+      <p:grpSpPr>
+        <a:xfrm>
+          <a:off x="0" y="0"/>
+          <a:ext cx="0" cy="0"/>
+          <a:chOff x="0" y="0"/>
+          <a:chExt cx="0" cy="0"/>
+        </a:xfrm>
+      </p:grpSpPr>
+      <p:sp>
+        <p:nvSpPr>
+          <p:cNvPr id="2" name="Заголовок 1"/>
+          <p:cNvSpPr>
+            <a:spLocks noGrp="1"/>
+          </p:cNvSpPr>
+          <p:nvPr>
+            <p:ph type="ctrTitle"/>
+          </p:nvPr>
+        </p:nvSpPr>
+        <p:spPr>
+          <a:xfrm>
+            <a:off x="179512" y="548680"/>
+            <a:ext cx="7315200" cy="696352"/>
+          </a:xfrm>
+        </p:spPr>
+        <p:txBody>
+          <a:bodyPr>
+            <a:normAutofit fontScale="90000"/>
+          </a:bodyPr>
+          <a:lstStyle/>
+          <a:p>
+            <a:r>
+              <a:rPr lang="ru-RU" dirty="0" smtClean="0"/>
+              <a:t>Демонстрация</a:t>
+            </a:r>
+            <a:endParaRPr lang="uk-UA" dirty="0"/>
+          </a:p>
+        </p:txBody>
+      </p:sp>
+      <p:sp>
+        <p:nvSpPr>
+          <p:cNvPr id="3" name="Подзаголовок 2"/>
+          <p:cNvSpPr>
+            <a:spLocks noGrp="1"/>
+          </p:cNvSpPr>
+          <p:nvPr>
+            <p:ph type="subTitle" idx="1"/>
+          </p:nvPr>
+        </p:nvSpPr>
+        <p:spPr>
+          <a:xfrm>
+            <a:off x="107504" y="1556792"/>
+            <a:ext cx="8352928" cy="4968552"/>
+          </a:xfrm>
+          <a:ln>
+            <a:noFill/>
+          </a:ln>
+        </p:spPr>
+        <p:txBody>
+          <a:bodyPr>
+            <a:normAutofit/>
+            <a:scene3d>
+              <a:camera prst="orthographicFront"/>
+              <a:lightRig rig="soft" dir="tl">
+                <a:rot lat="0" lon="0" rev="0"/>
+              </a:lightRig>
+            </a:scene3d>
+            <a:sp3d contourW="25400" prstMaterial="matte">
+              <a:bevelT w="25400" h="55880" prst="artDeco"/>
+              <a:contourClr>
+                <a:schemeClr val="accent2">
+                  <a:tint val="20000"/>
+                </a:schemeClr>
+              </a:contourClr>
+            </a:sp3d>
+          </a:bodyPr>
+          <a:lstStyle/>
+          <a:p>
+            <a:endParaRPr lang="uk-UA" sz="1700" b="1" dirty="0" smtClean="0">
+              <a:ln w="18000">
+                <a:solidFill>
+                  <a:schemeClr val="accent2">
+                    <a:satMod val="140000"/>
+                  </a:schemeClr>
+                </a:solidFill>
+                <a:prstDash val="solid"/>
+                <a:miter lim="800000"/>
+              </a:ln>
+              <a:noFill/>
+              <a:effectLst>
+                <a:outerShdw blurRad="25500" dist="23000" dir="7020000" algn="tl">
+                  <a:srgbClr val="000000">
+                    <a:alpha val="50000"/>
+                  </a:srgbClr>
+                </a:outerShdw>
+              </a:effectLst>
+            </a:endParaRPr>
+          </a:p>
+        </p:txBody>
+      </p:sp>
+    </p:spTree>
+    <p:extLst>
+      <p:ext uri="{BB962C8B-B14F-4D97-AF65-F5344CB8AC3E}">
+        <p14:creationId xmlns:p14="http://schemas.microsoft.com/office/powerpoint/2010/main" val="2452939577"/>
+      </p:ext>
+    </p:extLst>
+  </p:cSld>
+  <p:clrMapOvr>
+    <a:masterClrMapping/>
+  </p:clrMapOvr>
+  <p:timing>
+    <p:tnLst>
+      <p:par>
+        <p:cTn id="1" dur="indefinite" restart="never" nodeType="tmRoot"/>
+      </p:par>
+    </p:tnLst>
+  </p:timing>
+</p:sld>
+</file>
+
+<file path=ppt/slides/slide24.xml><?xml version="1.0" encoding="utf-8"?>
 <p:sld xmlns:a="http://schemas.openxmlformats.org/drawingml/2006/main" xmlns:r="http://schemas.openxmlformats.org/officeDocument/2006/relationships" xmlns:p="http://schemas.openxmlformats.org/presentationml/2006/main">
   <p:cSld>
     <p:spTree>
@@ -24896,7 +25219,7 @@
       </p:sp>
       <p:pic>
         <p:nvPicPr>
-          <p:cNvPr id="1028" name="Picture 4"/>
+          <p:cNvPr id="1026" name="Picture 2"/>
           <p:cNvPicPr>
             <a:picLocks noChangeAspect="1" noChangeArrowheads="1"/>
           </p:cNvPicPr>
@@ -24917,8 +25240,8 @@
         </p:blipFill>
         <p:spPr bwMode="auto">
           <a:xfrm>
-            <a:off x="539552" y="1196752"/>
-            <a:ext cx="8220075" cy="5286375"/>
+            <a:off x="683568" y="1400173"/>
+            <a:ext cx="7938982" cy="4837139"/>
           </a:xfrm>
           <a:prstGeom prst="rect">
             <a:avLst/>
